--- a/Data/Duaas/Duaas.pptx
+++ b/Data/Duaas/Duaas.pptx
@@ -104,6 +104,11 @@
       </a:defRPr>
     </a:lvl9pPr>
   </p:defaultTextStyle>
+  <p:extLst>
+    <p:ext uri="{EFAFB233-063F-42B5-8137-9DF3F51BA10A}">
+      <p15:sldGuideLst xmlns:p15="http://schemas.microsoft.com/office/powerpoint/2012/main"/>
+    </p:ext>
+  </p:extLst>
 </p:presentation>
 </file>
 
@@ -3447,8 +3452,8 @@
             <a:lstStyle/>
             <a:p>
               <a:r>
-                <a:rPr lang="en-PK" sz="3600" dirty="0"/>
-                <a:t>أسْتَغْفِرُ اللهَ رَبي مِنْ كُلِ ذَنبٍ وَأتُوبُ إلَيهِ</a:t>
+                <a:rPr lang="ar-AE" sz="3600" dirty="0"/>
+                <a:t>أسْتَغْفِرُ اللهَ رَبي مِنْ كُلِ ذَنبٍ وَّأتُوبُ إلَيهِ</a:t>
               </a:r>
             </a:p>
           </p:txBody>

--- a/Data/Duaas/Duaas.pptx
+++ b/Data/Duaas/Duaas.pptx
@@ -6,6 +6,7 @@
   </p:sldMasterIdLst>
   <p:sldIdLst>
     <p:sldId id="256" r:id="rId2"/>
+    <p:sldId id="257" r:id="rId3"/>
   </p:sldIdLst>
   <p:sldSz cx="12192000" cy="6858000"/>
   <p:notesSz cx="6858000" cy="9144000"/>
@@ -261,7 +262,7 @@
           <a:p>
             <a:fld id="{2D34D3B8-D14A-497C-A8AA-D18F4FF2D31F}" type="datetimeFigureOut">
               <a:rPr lang="en-PK" smtClean="0"/>
-              <a:t>01/06/2025</a:t>
+              <a:t>12/06/2025</a:t>
             </a:fld>
             <a:endParaRPr lang="en-PK"/>
           </a:p>
@@ -461,7 +462,7 @@
           <a:p>
             <a:fld id="{2D34D3B8-D14A-497C-A8AA-D18F4FF2D31F}" type="datetimeFigureOut">
               <a:rPr lang="en-PK" smtClean="0"/>
-              <a:t>01/06/2025</a:t>
+              <a:t>12/06/2025</a:t>
             </a:fld>
             <a:endParaRPr lang="en-PK"/>
           </a:p>
@@ -671,7 +672,7 @@
           <a:p>
             <a:fld id="{2D34D3B8-D14A-497C-A8AA-D18F4FF2D31F}" type="datetimeFigureOut">
               <a:rPr lang="en-PK" smtClean="0"/>
-              <a:t>01/06/2025</a:t>
+              <a:t>12/06/2025</a:t>
             </a:fld>
             <a:endParaRPr lang="en-PK"/>
           </a:p>
@@ -871,7 +872,7 @@
           <a:p>
             <a:fld id="{2D34D3B8-D14A-497C-A8AA-D18F4FF2D31F}" type="datetimeFigureOut">
               <a:rPr lang="en-PK" smtClean="0"/>
-              <a:t>01/06/2025</a:t>
+              <a:t>12/06/2025</a:t>
             </a:fld>
             <a:endParaRPr lang="en-PK"/>
           </a:p>
@@ -1147,7 +1148,7 @@
           <a:p>
             <a:fld id="{2D34D3B8-D14A-497C-A8AA-D18F4FF2D31F}" type="datetimeFigureOut">
               <a:rPr lang="en-PK" smtClean="0"/>
-              <a:t>01/06/2025</a:t>
+              <a:t>12/06/2025</a:t>
             </a:fld>
             <a:endParaRPr lang="en-PK"/>
           </a:p>
@@ -1415,7 +1416,7 @@
           <a:p>
             <a:fld id="{2D34D3B8-D14A-497C-A8AA-D18F4FF2D31F}" type="datetimeFigureOut">
               <a:rPr lang="en-PK" smtClean="0"/>
-              <a:t>01/06/2025</a:t>
+              <a:t>12/06/2025</a:t>
             </a:fld>
             <a:endParaRPr lang="en-PK"/>
           </a:p>
@@ -1830,7 +1831,7 @@
           <a:p>
             <a:fld id="{2D34D3B8-D14A-497C-A8AA-D18F4FF2D31F}" type="datetimeFigureOut">
               <a:rPr lang="en-PK" smtClean="0"/>
-              <a:t>01/06/2025</a:t>
+              <a:t>12/06/2025</a:t>
             </a:fld>
             <a:endParaRPr lang="en-PK"/>
           </a:p>
@@ -1972,7 +1973,7 @@
           <a:p>
             <a:fld id="{2D34D3B8-D14A-497C-A8AA-D18F4FF2D31F}" type="datetimeFigureOut">
               <a:rPr lang="en-PK" smtClean="0"/>
-              <a:t>01/06/2025</a:t>
+              <a:t>12/06/2025</a:t>
             </a:fld>
             <a:endParaRPr lang="en-PK"/>
           </a:p>
@@ -2085,7 +2086,7 @@
           <a:p>
             <a:fld id="{2D34D3B8-D14A-497C-A8AA-D18F4FF2D31F}" type="datetimeFigureOut">
               <a:rPr lang="en-PK" smtClean="0"/>
-              <a:t>01/06/2025</a:t>
+              <a:t>12/06/2025</a:t>
             </a:fld>
             <a:endParaRPr lang="en-PK"/>
           </a:p>
@@ -2398,7 +2399,7 @@
           <a:p>
             <a:fld id="{2D34D3B8-D14A-497C-A8AA-D18F4FF2D31F}" type="datetimeFigureOut">
               <a:rPr lang="en-PK" smtClean="0"/>
-              <a:t>01/06/2025</a:t>
+              <a:t>12/06/2025</a:t>
             </a:fld>
             <a:endParaRPr lang="en-PK"/>
           </a:p>
@@ -2687,7 +2688,7 @@
           <a:p>
             <a:fld id="{2D34D3B8-D14A-497C-A8AA-D18F4FF2D31F}" type="datetimeFigureOut">
               <a:rPr lang="en-PK" smtClean="0"/>
-              <a:t>01/06/2025</a:t>
+              <a:t>12/06/2025</a:t>
             </a:fld>
             <a:endParaRPr lang="en-PK"/>
           </a:p>
@@ -2930,7 +2931,7 @@
           <a:p>
             <a:fld id="{2D34D3B8-D14A-497C-A8AA-D18F4FF2D31F}" type="datetimeFigureOut">
               <a:rPr lang="en-PK" smtClean="0"/>
-              <a:t>01/06/2025</a:t>
+              <a:t>12/06/2025</a:t>
             </a:fld>
             <a:endParaRPr lang="en-PK"/>
           </a:p>
@@ -3472,6 +3473,71 @@
 </p:sld>
 </file>
 
+<file path=ppt/slides/slide2.xml><?xml version="1.0" encoding="utf-8"?>
+<p:sld xmlns:a="http://schemas.openxmlformats.org/drawingml/2006/main" xmlns:r="http://schemas.openxmlformats.org/officeDocument/2006/relationships" xmlns:p="http://schemas.openxmlformats.org/presentationml/2006/main">
+  <p:cSld>
+    <p:spTree>
+      <p:nvGrpSpPr>
+        <p:cNvPr id="1" name=""/>
+        <p:cNvGrpSpPr/>
+        <p:nvPr/>
+      </p:nvGrpSpPr>
+      <p:grpSpPr>
+        <a:xfrm>
+          <a:off x="0" y="0"/>
+          <a:ext cx="0" cy="0"/>
+          <a:chOff x="0" y="0"/>
+          <a:chExt cx="0" cy="0"/>
+        </a:xfrm>
+      </p:grpSpPr>
+      <p:pic>
+        <p:nvPicPr>
+          <p:cNvPr id="7" name="Picture 6">
+            <a:extLst>
+              <a:ext uri="{FF2B5EF4-FFF2-40B4-BE49-F238E27FC236}">
+                <a16:creationId xmlns:a16="http://schemas.microsoft.com/office/drawing/2014/main" id="{6B9E30F7-7064-C8D0-401D-0CFE7FF7FC34}"/>
+              </a:ext>
+            </a:extLst>
+          </p:cNvPr>
+          <p:cNvPicPr>
+            <a:picLocks noChangeAspect="1"/>
+          </p:cNvPicPr>
+          <p:nvPr/>
+        </p:nvPicPr>
+        <p:blipFill>
+          <a:blip r:embed="rId2"/>
+          <a:stretch>
+            <a:fillRect/>
+          </a:stretch>
+        </p:blipFill>
+        <p:spPr>
+          <a:xfrm>
+            <a:off x="419100" y="1078998"/>
+            <a:ext cx="10998200" cy="4354360"/>
+          </a:xfrm>
+          <a:prstGeom prst="rect">
+            <a:avLst/>
+          </a:prstGeom>
+          <a:ln>
+            <a:solidFill>
+              <a:schemeClr val="tx1"/>
+            </a:solidFill>
+          </a:ln>
+        </p:spPr>
+      </p:pic>
+    </p:spTree>
+    <p:extLst>
+      <p:ext uri="{BB962C8B-B14F-4D97-AF65-F5344CB8AC3E}">
+        <p14:creationId xmlns:p14="http://schemas.microsoft.com/office/powerpoint/2010/main" val="3547374462"/>
+      </p:ext>
+    </p:extLst>
+  </p:cSld>
+  <p:clrMapOvr>
+    <a:masterClrMapping/>
+  </p:clrMapOvr>
+</p:sld>
+</file>
+
 <file path=ppt/theme/theme1.xml><?xml version="1.0" encoding="utf-8"?>
 <a:theme xmlns:a="http://schemas.openxmlformats.org/drawingml/2006/main" name="Office Theme">
   <a:themeElements>
